--- a/기획서/00 맵.pptx
+++ b/기획서/00 맵.pptx
@@ -7,11 +7,12 @@
   <p:sldIdLst>
     <p:sldId id="256" r:id="rId2"/>
     <p:sldId id="257" r:id="rId3"/>
-    <p:sldId id="258" r:id="rId4"/>
-    <p:sldId id="259" r:id="rId5"/>
-    <p:sldId id="260" r:id="rId6"/>
-    <p:sldId id="261" r:id="rId7"/>
-    <p:sldId id="262" r:id="rId8"/>
+    <p:sldId id="263" r:id="rId4"/>
+    <p:sldId id="258" r:id="rId5"/>
+    <p:sldId id="259" r:id="rId6"/>
+    <p:sldId id="260" r:id="rId7"/>
+    <p:sldId id="261" r:id="rId8"/>
+    <p:sldId id="262" r:id="rId9"/>
   </p:sldIdLst>
   <p:sldSz cx="12192000" cy="6858000"/>
   <p:notesSz cx="6858000" cy="9144000"/>
@@ -110,6 +111,11 @@
       </a:defRPr>
     </a:lvl9pPr>
   </p:defaultTextStyle>
+  <p:extLst>
+    <p:ext uri="{EFAFB233-063F-42B5-8137-9DF3F51BA10A}">
+      <p15:sldGuideLst xmlns:p15="http://schemas.microsoft.com/office/powerpoint/2012/main"/>
+    </p:ext>
+  </p:extLst>
 </p:presentation>
 </file>
 
@@ -3762,6 +3768,117 @@
           <p:cNvPr id="2" name="제목 1">
             <a:extLst>
               <a:ext uri="{FF2B5EF4-FFF2-40B4-BE49-F238E27FC236}">
+                <a16:creationId xmlns:a16="http://schemas.microsoft.com/office/drawing/2014/main" id="{C9F04DD1-6C49-42FD-9ECC-76D0F779556A}"/>
+              </a:ext>
+            </a:extLst>
+          </p:cNvPr>
+          <p:cNvSpPr>
+            <a:spLocks noGrp="1"/>
+          </p:cNvSpPr>
+          <p:nvPr>
+            <p:ph type="title"/>
+          </p:nvPr>
+        </p:nvSpPr>
+        <p:spPr/>
+        <p:txBody>
+          <a:bodyPr/>
+          <a:lstStyle/>
+          <a:p>
+            <a:r>
+              <a:rPr lang="ko-KR" altLang="en-US"/>
+              <a:t>맵 탐험</a:t>
+            </a:r>
+          </a:p>
+        </p:txBody>
+      </p:sp>
+      <p:sp>
+        <p:nvSpPr>
+          <p:cNvPr id="3" name="내용 개체 틀 2">
+            <a:extLst>
+              <a:ext uri="{FF2B5EF4-FFF2-40B4-BE49-F238E27FC236}">
+                <a16:creationId xmlns:a16="http://schemas.microsoft.com/office/drawing/2014/main" id="{5BA1C696-9F74-4FA5-A3D1-049F29A70554}"/>
+              </a:ext>
+            </a:extLst>
+          </p:cNvPr>
+          <p:cNvSpPr>
+            <a:spLocks noGrp="1"/>
+          </p:cNvSpPr>
+          <p:nvPr>
+            <p:ph idx="1"/>
+          </p:nvPr>
+        </p:nvSpPr>
+        <p:spPr/>
+        <p:txBody>
+          <a:bodyPr/>
+          <a:lstStyle/>
+          <a:p>
+            <a:r>
+              <a:rPr lang="ko-KR" altLang="en-US"/>
+              <a:t>미니맵을 제공하지 않기 때문에 직접 방과 장식품 등으로 길을 외워야 한다</a:t>
+            </a:r>
+            <a:r>
+              <a:rPr lang="en-US" altLang="ko-KR"/>
+              <a:t>.</a:t>
+            </a:r>
+          </a:p>
+          <a:p>
+            <a:r>
+              <a:rPr lang="ko-KR" altLang="en-US"/>
+              <a:t>계속 사망하면서 반복 플레이 하기 때문에 </a:t>
+            </a:r>
+            <a:r>
+              <a:rPr lang="en-US" altLang="ko-KR"/>
+              <a:t>SSAP POSSIBLE</a:t>
+            </a:r>
+          </a:p>
+          <a:p>
+            <a:r>
+              <a:rPr lang="ko-KR" altLang="en-US"/>
+              <a:t>각 테마 건물마다 특징이 있어 그 특징들을 극복하기 위한 퍼즐장치들이 존재한다</a:t>
+            </a:r>
+            <a:r>
+              <a:rPr lang="en-US" altLang="ko-KR"/>
+              <a:t>.</a:t>
+            </a:r>
+            <a:endParaRPr lang="ko-KR" altLang="en-US"/>
+          </a:p>
+        </p:txBody>
+      </p:sp>
+    </p:spTree>
+    <p:extLst>
+      <p:ext uri="{BB962C8B-B14F-4D97-AF65-F5344CB8AC3E}">
+        <p14:creationId xmlns:p14="http://schemas.microsoft.com/office/powerpoint/2010/main" val="1535014117"/>
+      </p:ext>
+    </p:extLst>
+  </p:cSld>
+  <p:clrMapOvr>
+    <a:masterClrMapping/>
+  </p:clrMapOvr>
+</p:sld>
+</file>
+
+<file path=ppt/slides/slide4.xml><?xml version="1.0" encoding="utf-8"?>
+<p:sld xmlns:a="http://schemas.openxmlformats.org/drawingml/2006/main" xmlns:r="http://schemas.openxmlformats.org/officeDocument/2006/relationships" xmlns:p="http://schemas.openxmlformats.org/presentationml/2006/main">
+  <p:cSld>
+    <p:spTree>
+      <p:nvGrpSpPr>
+        <p:cNvPr id="1" name=""/>
+        <p:cNvGrpSpPr/>
+        <p:nvPr/>
+      </p:nvGrpSpPr>
+      <p:grpSpPr>
+        <a:xfrm>
+          <a:off x="0" y="0"/>
+          <a:ext cx="0" cy="0"/>
+          <a:chOff x="0" y="0"/>
+          <a:chExt cx="0" cy="0"/>
+        </a:xfrm>
+      </p:grpSpPr>
+      <p:sp>
+        <p:nvSpPr>
+          <p:cNvPr id="2" name="제목 1">
+            <a:extLst>
+              <a:ext uri="{FF2B5EF4-FFF2-40B4-BE49-F238E27FC236}">
                 <a16:creationId xmlns:a16="http://schemas.microsoft.com/office/drawing/2014/main" id="{462ED3EB-084A-45D9-8E2B-410ED1CB3F6B}"/>
               </a:ext>
             </a:extLst>
@@ -4374,89 +4491,6 @@
 </p:sld>
 </file>
 
-<file path=ppt/slides/slide4.xml><?xml version="1.0" encoding="utf-8"?>
-<p:sld xmlns:a="http://schemas.openxmlformats.org/drawingml/2006/main" xmlns:r="http://schemas.openxmlformats.org/officeDocument/2006/relationships" xmlns:p="http://schemas.openxmlformats.org/presentationml/2006/main">
-  <p:cSld>
-    <p:spTree>
-      <p:nvGrpSpPr>
-        <p:cNvPr id="1" name=""/>
-        <p:cNvGrpSpPr/>
-        <p:nvPr/>
-      </p:nvGrpSpPr>
-      <p:grpSpPr>
-        <a:xfrm>
-          <a:off x="0" y="0"/>
-          <a:ext cx="0" cy="0"/>
-          <a:chOff x="0" y="0"/>
-          <a:chExt cx="0" cy="0"/>
-        </a:xfrm>
-      </p:grpSpPr>
-      <p:sp>
-        <p:nvSpPr>
-          <p:cNvPr id="2" name="제목 1">
-            <a:extLst>
-              <a:ext uri="{FF2B5EF4-FFF2-40B4-BE49-F238E27FC236}">
-                <a16:creationId xmlns:a16="http://schemas.microsoft.com/office/drawing/2014/main" id="{7C094052-EF58-491D-BB3E-7A4E3F32D63C}"/>
-              </a:ext>
-            </a:extLst>
-          </p:cNvPr>
-          <p:cNvSpPr>
-            <a:spLocks noGrp="1"/>
-          </p:cNvSpPr>
-          <p:nvPr>
-            <p:ph type="title"/>
-          </p:nvPr>
-        </p:nvSpPr>
-        <p:spPr/>
-        <p:txBody>
-          <a:bodyPr/>
-          <a:lstStyle/>
-          <a:p>
-            <a:r>
-              <a:rPr lang="ko-KR" altLang="en-US"/>
-              <a:t>불 테마</a:t>
-            </a:r>
-          </a:p>
-        </p:txBody>
-      </p:sp>
-      <p:sp>
-        <p:nvSpPr>
-          <p:cNvPr id="3" name="내용 개체 틀 2">
-            <a:extLst>
-              <a:ext uri="{FF2B5EF4-FFF2-40B4-BE49-F238E27FC236}">
-                <a16:creationId xmlns:a16="http://schemas.microsoft.com/office/drawing/2014/main" id="{2007C0F3-A239-41E0-8C3A-64A95C5614C5}"/>
-              </a:ext>
-            </a:extLst>
-          </p:cNvPr>
-          <p:cNvSpPr>
-            <a:spLocks noGrp="1"/>
-          </p:cNvSpPr>
-          <p:nvPr>
-            <p:ph idx="1"/>
-          </p:nvPr>
-        </p:nvSpPr>
-        <p:spPr/>
-        <p:txBody>
-          <a:bodyPr/>
-          <a:lstStyle/>
-          <a:p>
-            <a:endParaRPr lang="ko-KR" altLang="en-US"/>
-          </a:p>
-        </p:txBody>
-      </p:sp>
-    </p:spTree>
-    <p:extLst>
-      <p:ext uri="{BB962C8B-B14F-4D97-AF65-F5344CB8AC3E}">
-        <p14:creationId xmlns:p14="http://schemas.microsoft.com/office/powerpoint/2010/main" val="219868617"/>
-      </p:ext>
-    </p:extLst>
-  </p:cSld>
-  <p:clrMapOvr>
-    <a:masterClrMapping/>
-  </p:clrMapOvr>
-</p:sld>
-</file>
-
 <file path=ppt/slides/slide5.xml><?xml version="1.0" encoding="utf-8"?>
 <p:sld xmlns:a="http://schemas.openxmlformats.org/drawingml/2006/main" xmlns:r="http://schemas.openxmlformats.org/officeDocument/2006/relationships" xmlns:p="http://schemas.openxmlformats.org/presentationml/2006/main">
   <p:cSld>
@@ -4497,7 +4531,7 @@
           <a:p>
             <a:r>
               <a:rPr lang="ko-KR" altLang="en-US"/>
-              <a:t>얼음 테마</a:t>
+              <a:t>불 테마</a:t>
             </a:r>
           </a:p>
         </p:txBody>
@@ -4522,6 +4556,40 @@
         <p:txBody>
           <a:bodyPr/>
           <a:lstStyle/>
+          <a:p>
+            <a:r>
+              <a:rPr lang="ko-KR" altLang="en-US"/>
+              <a:t>불 계열 스킬</a:t>
+            </a:r>
+            <a:endParaRPr lang="en-US" altLang="ko-KR"/>
+          </a:p>
+          <a:p>
+            <a:r>
+              <a:rPr lang="ko-KR" altLang="en-US"/>
+              <a:t>불의 신</a:t>
+            </a:r>
+            <a:r>
+              <a:rPr lang="en-US" altLang="ko-KR"/>
+              <a:t>(</a:t>
+            </a:r>
+            <a:r>
+              <a:rPr lang="ko-KR" altLang="en-US"/>
+              <a:t>카멜레온</a:t>
+            </a:r>
+            <a:r>
+              <a:rPr lang="en-US" altLang="ko-KR"/>
+              <a:t>)</a:t>
+            </a:r>
+            <a:r>
+              <a:rPr lang="ko-KR" altLang="en-US"/>
+              <a:t>이 갇혀 있다</a:t>
+            </a:r>
+            <a:r>
+              <a:rPr lang="en-US" altLang="ko-KR"/>
+              <a:t>.</a:t>
+            </a:r>
+            <a:endParaRPr lang="ko-KR" altLang="en-US"/>
+          </a:p>
           <a:p>
             <a:endParaRPr lang="ko-KR" altLang="en-US"/>
           </a:p>
@@ -4530,7 +4598,7 @@
     </p:spTree>
     <p:extLst>
       <p:ext uri="{BB962C8B-B14F-4D97-AF65-F5344CB8AC3E}">
-        <p14:creationId xmlns:p14="http://schemas.microsoft.com/office/powerpoint/2010/main" val="1711102585"/>
+        <p14:creationId xmlns:p14="http://schemas.microsoft.com/office/powerpoint/2010/main" val="219868617"/>
       </p:ext>
     </p:extLst>
   </p:cSld>
@@ -4580,7 +4648,7 @@
           <a:p>
             <a:r>
               <a:rPr lang="ko-KR" altLang="en-US"/>
-              <a:t>자연 테마</a:t>
+              <a:t>얼음 테마</a:t>
             </a:r>
           </a:p>
         </p:txBody>
@@ -4606,6 +4674,21 @@
           <a:bodyPr/>
           <a:lstStyle/>
           <a:p>
+            <a:r>
+              <a:rPr lang="ko-KR" altLang="en-US"/>
+              <a:t>얼음 계열 스킬</a:t>
+            </a:r>
+            <a:endParaRPr lang="en-US" altLang="ko-KR"/>
+          </a:p>
+          <a:p>
+            <a:r>
+              <a:rPr lang="ko-KR" altLang="en-US"/>
+              <a:t>물의 신이 갇혀 있다</a:t>
+            </a:r>
+            <a:r>
+              <a:rPr lang="en-US" altLang="ko-KR"/>
+              <a:t>.</a:t>
+            </a:r>
             <a:endParaRPr lang="ko-KR" altLang="en-US"/>
           </a:p>
         </p:txBody>
@@ -4613,7 +4696,7 @@
     </p:spTree>
     <p:extLst>
       <p:ext uri="{BB962C8B-B14F-4D97-AF65-F5344CB8AC3E}">
-        <p14:creationId xmlns:p14="http://schemas.microsoft.com/office/powerpoint/2010/main" val="2388217006"/>
+        <p14:creationId xmlns:p14="http://schemas.microsoft.com/office/powerpoint/2010/main" val="1711102585"/>
       </p:ext>
     </p:extLst>
   </p:cSld>
@@ -4663,6 +4746,136 @@
           <a:p>
             <a:r>
               <a:rPr lang="ko-KR" altLang="en-US"/>
+              <a:t>자연 테마</a:t>
+            </a:r>
+          </a:p>
+        </p:txBody>
+      </p:sp>
+      <p:sp>
+        <p:nvSpPr>
+          <p:cNvPr id="3" name="내용 개체 틀 2">
+            <a:extLst>
+              <a:ext uri="{FF2B5EF4-FFF2-40B4-BE49-F238E27FC236}">
+                <a16:creationId xmlns:a16="http://schemas.microsoft.com/office/drawing/2014/main" id="{2007C0F3-A239-41E0-8C3A-64A95C5614C5}"/>
+              </a:ext>
+            </a:extLst>
+          </p:cNvPr>
+          <p:cNvSpPr>
+            <a:spLocks noGrp="1"/>
+          </p:cNvSpPr>
+          <p:nvPr>
+            <p:ph idx="1"/>
+          </p:nvPr>
+        </p:nvSpPr>
+        <p:spPr/>
+        <p:txBody>
+          <a:bodyPr/>
+          <a:lstStyle/>
+          <a:p>
+            <a:r>
+              <a:rPr lang="ko-KR" altLang="en-US"/>
+              <a:t>자연 계열 스킬</a:t>
+            </a:r>
+            <a:endParaRPr lang="en-US" altLang="ko-KR"/>
+          </a:p>
+          <a:p>
+            <a:r>
+              <a:rPr lang="ko-KR" altLang="en-US"/>
+              <a:t>땅의 신</a:t>
+            </a:r>
+            <a:r>
+              <a:rPr lang="en-US" altLang="ko-KR"/>
+              <a:t>(</a:t>
+            </a:r>
+            <a:r>
+              <a:rPr lang="ko-KR" altLang="en-US"/>
+              <a:t>사슴</a:t>
+            </a:r>
+            <a:r>
+              <a:rPr lang="en-US" altLang="ko-KR"/>
+              <a:t>), </a:t>
+            </a:r>
+            <a:r>
+              <a:rPr lang="ko-KR" altLang="en-US"/>
+              <a:t>바람의 신</a:t>
+            </a:r>
+            <a:r>
+              <a:rPr lang="en-US" altLang="ko-KR"/>
+              <a:t>(</a:t>
+            </a:r>
+            <a:r>
+              <a:rPr lang="ko-KR" altLang="en-US"/>
+              <a:t>올빼미</a:t>
+            </a:r>
+            <a:r>
+              <a:rPr lang="en-US" altLang="ko-KR"/>
+              <a:t>)</a:t>
+            </a:r>
+            <a:r>
+              <a:rPr lang="ko-KR" altLang="en-US"/>
+              <a:t>이 갇혀 있다</a:t>
+            </a:r>
+            <a:r>
+              <a:rPr lang="en-US" altLang="ko-KR"/>
+              <a:t>.</a:t>
+            </a:r>
+            <a:endParaRPr lang="ko-KR" altLang="en-US"/>
+          </a:p>
+        </p:txBody>
+      </p:sp>
+    </p:spTree>
+    <p:extLst>
+      <p:ext uri="{BB962C8B-B14F-4D97-AF65-F5344CB8AC3E}">
+        <p14:creationId xmlns:p14="http://schemas.microsoft.com/office/powerpoint/2010/main" val="2388217006"/>
+      </p:ext>
+    </p:extLst>
+  </p:cSld>
+  <p:clrMapOvr>
+    <a:masterClrMapping/>
+  </p:clrMapOvr>
+</p:sld>
+</file>
+
+<file path=ppt/slides/slide8.xml><?xml version="1.0" encoding="utf-8"?>
+<p:sld xmlns:a="http://schemas.openxmlformats.org/drawingml/2006/main" xmlns:r="http://schemas.openxmlformats.org/officeDocument/2006/relationships" xmlns:p="http://schemas.openxmlformats.org/presentationml/2006/main">
+  <p:cSld>
+    <p:spTree>
+      <p:nvGrpSpPr>
+        <p:cNvPr id="1" name=""/>
+        <p:cNvGrpSpPr/>
+        <p:nvPr/>
+      </p:nvGrpSpPr>
+      <p:grpSpPr>
+        <a:xfrm>
+          <a:off x="0" y="0"/>
+          <a:ext cx="0" cy="0"/>
+          <a:chOff x="0" y="0"/>
+          <a:chExt cx="0" cy="0"/>
+        </a:xfrm>
+      </p:grpSpPr>
+      <p:sp>
+        <p:nvSpPr>
+          <p:cNvPr id="2" name="제목 1">
+            <a:extLst>
+              <a:ext uri="{FF2B5EF4-FFF2-40B4-BE49-F238E27FC236}">
+                <a16:creationId xmlns:a16="http://schemas.microsoft.com/office/drawing/2014/main" id="{7C094052-EF58-491D-BB3E-7A4E3F32D63C}"/>
+              </a:ext>
+            </a:extLst>
+          </p:cNvPr>
+          <p:cNvSpPr>
+            <a:spLocks noGrp="1"/>
+          </p:cNvSpPr>
+          <p:nvPr>
+            <p:ph type="title"/>
+          </p:nvPr>
+        </p:nvSpPr>
+        <p:spPr/>
+        <p:txBody>
+          <a:bodyPr/>
+          <a:lstStyle/>
+          <a:p>
+            <a:r>
+              <a:rPr lang="ko-KR" altLang="en-US"/>
               <a:t>어둠 테마</a:t>
             </a:r>
           </a:p>
@@ -4689,6 +4902,89 @@
           <a:bodyPr/>
           <a:lstStyle/>
           <a:p>
+            <a:r>
+              <a:rPr lang="ko-KR" altLang="en-US"/>
+              <a:t>어둠 테마의 건물은 조명이 꺼져있다</a:t>
+            </a:r>
+            <a:r>
+              <a:rPr lang="en-US" altLang="ko-KR"/>
+              <a:t>.</a:t>
+            </a:r>
+          </a:p>
+          <a:p>
+            <a:r>
+              <a:rPr lang="ko-KR" altLang="en-US"/>
+              <a:t>특정 방이나 복도에 대해서는 스위치를 찾아서 켜야 하고</a:t>
+            </a:r>
+            <a:r>
+              <a:rPr lang="en-US" altLang="ko-KR"/>
+              <a:t>,</a:t>
+            </a:r>
+            <a:br>
+              <a:rPr lang="en-US" altLang="ko-KR"/>
+            </a:br>
+            <a:r>
+              <a:rPr lang="ko-KR" altLang="en-US"/>
+              <a:t>특정 방은 횃불을 사용해야 한다</a:t>
+            </a:r>
+            <a:r>
+              <a:rPr lang="en-US" altLang="ko-KR"/>
+              <a:t>.</a:t>
+            </a:r>
+          </a:p>
+          <a:p>
+            <a:r>
+              <a:rPr lang="ko-KR" altLang="en-US"/>
+              <a:t>횃불은 어디서 얻느냐</a:t>
+            </a:r>
+            <a:r>
+              <a:rPr lang="en-US" altLang="ko-KR"/>
+              <a:t>? </a:t>
+            </a:r>
+            <a:r>
+              <a:rPr lang="ko-KR" altLang="en-US"/>
+              <a:t>불 테마에서 얻나</a:t>
+            </a:r>
+            <a:r>
+              <a:rPr lang="en-US" altLang="ko-KR"/>
+              <a:t>? </a:t>
+            </a:r>
+          </a:p>
+          <a:p>
+            <a:endParaRPr lang="en-US" altLang="ko-KR"/>
+          </a:p>
+          <a:p>
+            <a:r>
+              <a:rPr lang="ko-KR" altLang="en-US"/>
+              <a:t>어둠 계열 스킬</a:t>
+            </a:r>
+            <a:endParaRPr lang="en-US" altLang="ko-KR"/>
+          </a:p>
+          <a:p>
+            <a:r>
+              <a:rPr lang="ko-KR" altLang="en-US"/>
+              <a:t>빛의 신</a:t>
+            </a:r>
+            <a:r>
+              <a:rPr lang="en-US" altLang="ko-KR"/>
+              <a:t>(</a:t>
+            </a:r>
+            <a:r>
+              <a:rPr lang="ko-KR" altLang="en-US"/>
+              <a:t>사자</a:t>
+            </a:r>
+            <a:r>
+              <a:rPr lang="en-US" altLang="ko-KR"/>
+              <a:t>)</a:t>
+            </a:r>
+            <a:r>
+              <a:rPr lang="ko-KR" altLang="en-US"/>
+              <a:t>이 갇혀 있다</a:t>
+            </a:r>
+            <a:r>
+              <a:rPr lang="en-US" altLang="ko-KR"/>
+              <a:t>.</a:t>
+            </a:r>
             <a:endParaRPr lang="ko-KR" altLang="en-US"/>
           </a:p>
         </p:txBody>

--- a/기획서/00 맵.pptx
+++ b/기획서/00 맵.pptx
@@ -266,7 +266,7 @@
           <a:p>
             <a:fld id="{E9007F21-21B3-40C7-A3DA-74644FE0F4C5}" type="datetimeFigureOut">
               <a:rPr lang="ko-KR" altLang="en-US" smtClean="0"/>
-              <a:t>2021-02-05</a:t>
+              <a:t>2021-02-07</a:t>
             </a:fld>
             <a:endParaRPr lang="ko-KR" altLang="en-US"/>
           </a:p>
@@ -464,7 +464,7 @@
           <a:p>
             <a:fld id="{E9007F21-21B3-40C7-A3DA-74644FE0F4C5}" type="datetimeFigureOut">
               <a:rPr lang="ko-KR" altLang="en-US" smtClean="0"/>
-              <a:t>2021-02-05</a:t>
+              <a:t>2021-02-07</a:t>
             </a:fld>
             <a:endParaRPr lang="ko-KR" altLang="en-US"/>
           </a:p>
@@ -672,7 +672,7 @@
           <a:p>
             <a:fld id="{E9007F21-21B3-40C7-A3DA-74644FE0F4C5}" type="datetimeFigureOut">
               <a:rPr lang="ko-KR" altLang="en-US" smtClean="0"/>
-              <a:t>2021-02-05</a:t>
+              <a:t>2021-02-07</a:t>
             </a:fld>
             <a:endParaRPr lang="ko-KR" altLang="en-US"/>
           </a:p>
@@ -880,7 +880,7 @@
           <a:p>
             <a:fld id="{E9007F21-21B3-40C7-A3DA-74644FE0F4C5}" type="datetimeFigureOut">
               <a:rPr lang="ko-KR" altLang="en-US" smtClean="0"/>
-              <a:t>2021-02-05</a:t>
+              <a:t>2021-02-07</a:t>
             </a:fld>
             <a:endParaRPr lang="ko-KR" altLang="en-US"/>
           </a:p>
@@ -1155,7 +1155,7 @@
           <a:p>
             <a:fld id="{E9007F21-21B3-40C7-A3DA-74644FE0F4C5}" type="datetimeFigureOut">
               <a:rPr lang="ko-KR" altLang="en-US" smtClean="0"/>
-              <a:t>2021-02-05</a:t>
+              <a:t>2021-02-07</a:t>
             </a:fld>
             <a:endParaRPr lang="ko-KR" altLang="en-US"/>
           </a:p>
@@ -1420,7 +1420,7 @@
           <a:p>
             <a:fld id="{E9007F21-21B3-40C7-A3DA-74644FE0F4C5}" type="datetimeFigureOut">
               <a:rPr lang="ko-KR" altLang="en-US" smtClean="0"/>
-              <a:t>2021-02-05</a:t>
+              <a:t>2021-02-07</a:t>
             </a:fld>
             <a:endParaRPr lang="ko-KR" altLang="en-US"/>
           </a:p>
@@ -1832,7 +1832,7 @@
           <a:p>
             <a:fld id="{E9007F21-21B3-40C7-A3DA-74644FE0F4C5}" type="datetimeFigureOut">
               <a:rPr lang="ko-KR" altLang="en-US" smtClean="0"/>
-              <a:t>2021-02-05</a:t>
+              <a:t>2021-02-07</a:t>
             </a:fld>
             <a:endParaRPr lang="ko-KR" altLang="en-US"/>
           </a:p>
@@ -1973,7 +1973,7 @@
           <a:p>
             <a:fld id="{E9007F21-21B3-40C7-A3DA-74644FE0F4C5}" type="datetimeFigureOut">
               <a:rPr lang="ko-KR" altLang="en-US" smtClean="0"/>
-              <a:t>2021-02-05</a:t>
+              <a:t>2021-02-07</a:t>
             </a:fld>
             <a:endParaRPr lang="ko-KR" altLang="en-US"/>
           </a:p>
@@ -2086,7 +2086,7 @@
           <a:p>
             <a:fld id="{E9007F21-21B3-40C7-A3DA-74644FE0F4C5}" type="datetimeFigureOut">
               <a:rPr lang="ko-KR" altLang="en-US" smtClean="0"/>
-              <a:t>2021-02-05</a:t>
+              <a:t>2021-02-07</a:t>
             </a:fld>
             <a:endParaRPr lang="ko-KR" altLang="en-US"/>
           </a:p>
@@ -2397,7 +2397,7 @@
           <a:p>
             <a:fld id="{E9007F21-21B3-40C7-A3DA-74644FE0F4C5}" type="datetimeFigureOut">
               <a:rPr lang="ko-KR" altLang="en-US" smtClean="0"/>
-              <a:t>2021-02-05</a:t>
+              <a:t>2021-02-07</a:t>
             </a:fld>
             <a:endParaRPr lang="ko-KR" altLang="en-US"/>
           </a:p>
@@ -2685,7 +2685,7 @@
           <a:p>
             <a:fld id="{E9007F21-21B3-40C7-A3DA-74644FE0F4C5}" type="datetimeFigureOut">
               <a:rPr lang="ko-KR" altLang="en-US" smtClean="0"/>
-              <a:t>2021-02-05</a:t>
+              <a:t>2021-02-07</a:t>
             </a:fld>
             <a:endParaRPr lang="ko-KR" altLang="en-US"/>
           </a:p>
@@ -2926,7 +2926,7 @@
           <a:p>
             <a:fld id="{E9007F21-21B3-40C7-A3DA-74644FE0F4C5}" type="datetimeFigureOut">
               <a:rPr lang="ko-KR" altLang="en-US" smtClean="0"/>
-              <a:t>2021-02-05</a:t>
+              <a:t>2021-02-07</a:t>
             </a:fld>
             <a:endParaRPr lang="ko-KR" altLang="en-US"/>
           </a:p>
@@ -3917,14 +3917,14 @@
           <p:nvPr>
             <p:extLst>
               <p:ext uri="{D42A27DB-BD31-4B8C-83A1-F6EECF244321}">
-                <p14:modId xmlns:p14="http://schemas.microsoft.com/office/powerpoint/2010/main" val="449410251"/>
+                <p14:modId xmlns:p14="http://schemas.microsoft.com/office/powerpoint/2010/main" val="1391042789"/>
               </p:ext>
             </p:extLst>
           </p:nvPr>
         </p:nvGraphicFramePr>
         <p:xfrm>
-          <a:off x="203200" y="1343818"/>
-          <a:ext cx="11453181" cy="3505200"/>
+          <a:off x="133004" y="1663414"/>
+          <a:ext cx="11925992" cy="4145280"/>
         </p:xfrm>
         <a:graphic>
           <a:graphicData uri="http://schemas.openxmlformats.org/drawingml/2006/table">
@@ -3933,24 +3933,31 @@
                 <a:tableStyleId>{5C22544A-7EE6-4342-B048-85BDC9FD1C3A}</a:tableStyleId>
               </a:tblPr>
               <a:tblGrid>
-                <a:gridCol w="1519068">
+                <a:gridCol w="1188487">
                   <a:extLst>
                     <a:ext uri="{9D8B030D-6E8A-4147-A177-3AD203B41FA5}">
                       <a16:colId xmlns:a16="http://schemas.microsoft.com/office/drawing/2014/main" val="3932214343"/>
                     </a:ext>
                   </a:extLst>
                 </a:gridCol>
-                <a:gridCol w="7901126">
+                <a:gridCol w="7099591">
                   <a:extLst>
                     <a:ext uri="{9D8B030D-6E8A-4147-A177-3AD203B41FA5}">
                       <a16:colId xmlns:a16="http://schemas.microsoft.com/office/drawing/2014/main" val="3825970629"/>
                     </a:ext>
                   </a:extLst>
                 </a:gridCol>
-                <a:gridCol w="2032987">
+                <a:gridCol w="2639895">
                   <a:extLst>
                     <a:ext uri="{9D8B030D-6E8A-4147-A177-3AD203B41FA5}">
                       <a16:colId xmlns:a16="http://schemas.microsoft.com/office/drawing/2014/main" val="3699508573"/>
+                    </a:ext>
+                  </a:extLst>
+                </a:gridCol>
+                <a:gridCol w="998019">
+                  <a:extLst>
+                    <a:ext uri="{9D8B030D-6E8A-4147-A177-3AD203B41FA5}">
+                      <a16:colId xmlns:a16="http://schemas.microsoft.com/office/drawing/2014/main" val="2230747789"/>
                     </a:ext>
                   </a:extLst>
                 </a:gridCol>
@@ -3993,6 +4000,20 @@
                       <a:r>
                         <a:rPr lang="ko-KR" altLang="en-US"/>
                         <a:t>보상</a:t>
+                      </a:r>
+                    </a:p>
+                  </a:txBody>
+                  <a:tcPr/>
+                </a:tc>
+                <a:tc>
+                  <a:txBody>
+                    <a:bodyPr/>
+                    <a:lstStyle/>
+                    <a:p>
+                      <a:pPr latinLnBrk="1"/>
+                      <a:r>
+                        <a:rPr lang="ko-KR" altLang="en-US"/>
+                        <a:t>방 수</a:t>
                       </a:r>
                     </a:p>
                   </a:txBody>
@@ -4071,8 +4092,36 @@
                       <a:pPr latinLnBrk="1"/>
                       <a:r>
                         <a:rPr lang="ko-KR" altLang="en-US"/>
-                        <a:t>무작위 장비</a:t>
-                      </a:r>
+                        <a:t>성물 </a:t>
+                      </a:r>
+                      <a:r>
+                        <a:rPr lang="en-US" altLang="ko-KR"/>
+                        <a:t>(</a:t>
+                      </a:r>
+                      <a:r>
+                        <a:rPr lang="ko-KR" altLang="en-US"/>
+                        <a:t>방어구</a:t>
+                      </a:r>
+                      <a:r>
+                        <a:rPr lang="en-US" altLang="ko-KR"/>
+                        <a:t>)</a:t>
+                      </a:r>
+                      <a:endParaRPr lang="ko-KR" altLang="en-US"/>
+                    </a:p>
+                  </a:txBody>
+                  <a:tcPr/>
+                </a:tc>
+                <a:tc>
+                  <a:txBody>
+                    <a:bodyPr/>
+                    <a:lstStyle/>
+                    <a:p>
+                      <a:pPr latinLnBrk="1"/>
+                      <a:r>
+                        <a:rPr lang="en-US" altLang="ko-KR"/>
+                        <a:t>6</a:t>
+                      </a:r>
+                      <a:endParaRPr lang="ko-KR" altLang="en-US"/>
                     </a:p>
                   </a:txBody>
                   <a:tcPr/>
@@ -4149,8 +4198,44 @@
                       <a:pPr latinLnBrk="1"/>
                       <a:r>
                         <a:rPr lang="ko-KR" altLang="en-US"/>
-                        <a:t>성물 또는 유물</a:t>
-                      </a:r>
+                        <a:t>성물 </a:t>
+                      </a:r>
+                      <a:r>
+                        <a:rPr lang="en-US" altLang="ko-KR"/>
+                        <a:t>(</a:t>
+                      </a:r>
+                      <a:r>
+                        <a:rPr lang="ko-KR" altLang="en-US"/>
+                        <a:t>무기</a:t>
+                      </a:r>
+                      <a:r>
+                        <a:rPr lang="en-US" altLang="ko-KR"/>
+                        <a:t>/</a:t>
+                      </a:r>
+                      <a:r>
+                        <a:rPr lang="ko-KR" altLang="en-US"/>
+                        <a:t>방패</a:t>
+                      </a:r>
+                      <a:r>
+                        <a:rPr lang="en-US" altLang="ko-KR"/>
+                        <a:t>)</a:t>
+                      </a:r>
+                      <a:endParaRPr lang="ko-KR" altLang="en-US"/>
+                    </a:p>
+                  </a:txBody>
+                  <a:tcPr/>
+                </a:tc>
+                <a:tc>
+                  <a:txBody>
+                    <a:bodyPr/>
+                    <a:lstStyle/>
+                    <a:p>
+                      <a:pPr latinLnBrk="1"/>
+                      <a:r>
+                        <a:rPr lang="en-US" altLang="ko-KR"/>
+                        <a:t>6</a:t>
+                      </a:r>
+                      <a:endParaRPr lang="ko-KR" altLang="en-US"/>
                     </a:p>
                   </a:txBody>
                   <a:tcPr/>
@@ -4209,6 +4294,21 @@
                   </a:txBody>
                   <a:tcPr/>
                 </a:tc>
+                <a:tc>
+                  <a:txBody>
+                    <a:bodyPr/>
+                    <a:lstStyle/>
+                    <a:p>
+                      <a:pPr latinLnBrk="1"/>
+                      <a:r>
+                        <a:rPr lang="en-US" altLang="ko-KR"/>
+                        <a:t>8</a:t>
+                      </a:r>
+                      <a:endParaRPr lang="ko-KR" altLang="en-US"/>
+                    </a:p>
+                  </a:txBody>
+                  <a:tcPr/>
+                </a:tc>
                 <a:extLst>
                   <a:ext uri="{0D108BD9-81ED-4DB2-BD59-A6C34878D82A}">
                     <a16:rowId xmlns:a16="http://schemas.microsoft.com/office/drawing/2014/main" val="3994078242"/>
@@ -4262,6 +4362,21 @@
                         <a:rPr lang="ko-KR" altLang="en-US"/>
                         <a:t>체력 회복</a:t>
                       </a:r>
+                    </a:p>
+                  </a:txBody>
+                  <a:tcPr/>
+                </a:tc>
+                <a:tc>
+                  <a:txBody>
+                    <a:bodyPr/>
+                    <a:lstStyle/>
+                    <a:p>
+                      <a:pPr latinLnBrk="1"/>
+                      <a:r>
+                        <a:rPr lang="en-US" altLang="ko-KR"/>
+                        <a:t>8</a:t>
+                      </a:r>
+                      <a:endParaRPr lang="ko-KR" altLang="en-US"/>
                     </a:p>
                   </a:txBody>
                   <a:tcPr/>
@@ -4314,8 +4429,23 @@
                       <a:pPr latinLnBrk="1"/>
                       <a:r>
                         <a:rPr lang="ko-KR" altLang="en-US"/>
-                        <a:t>장비 강화</a:t>
-                      </a:r>
+                        <a:t>성물 강화</a:t>
+                      </a:r>
+                    </a:p>
+                  </a:txBody>
+                  <a:tcPr/>
+                </a:tc>
+                <a:tc>
+                  <a:txBody>
+                    <a:bodyPr/>
+                    <a:lstStyle/>
+                    <a:p>
+                      <a:pPr latinLnBrk="1"/>
+                      <a:r>
+                        <a:rPr lang="en-US" altLang="ko-KR"/>
+                        <a:t>4</a:t>
+                      </a:r>
+                      <a:endParaRPr lang="ko-KR" altLang="en-US"/>
                     </a:p>
                   </a:txBody>
                   <a:tcPr/>
@@ -4392,8 +4522,23 @@
                       <a:pPr latinLnBrk="1"/>
                       <a:r>
                         <a:rPr lang="ko-KR" altLang="en-US"/>
-                        <a:t>스킬 강화</a:t>
-                      </a:r>
+                        <a:t>일시적 스탯 강화</a:t>
+                      </a:r>
+                    </a:p>
+                  </a:txBody>
+                  <a:tcPr/>
+                </a:tc>
+                <a:tc>
+                  <a:txBody>
+                    <a:bodyPr/>
+                    <a:lstStyle/>
+                    <a:p>
+                      <a:pPr latinLnBrk="1"/>
+                      <a:r>
+                        <a:rPr lang="en-US" altLang="ko-KR"/>
+                        <a:t>4</a:t>
+                      </a:r>
+                      <a:endParaRPr lang="ko-KR" altLang="en-US"/>
                     </a:p>
                   </a:txBody>
                   <a:tcPr/>
@@ -4454,16 +4599,23 @@
                       <a:pPr latinLnBrk="1"/>
                       <a:r>
                         <a:rPr lang="ko-KR" altLang="en-US"/>
-                        <a:t>성물 </a:t>
-                      </a:r>
+                        <a:t>스킬 강화</a:t>
+                      </a:r>
+                    </a:p>
+                  </a:txBody>
+                  <a:tcPr/>
+                </a:tc>
+                <a:tc>
+                  <a:txBody>
+                    <a:bodyPr/>
+                    <a:lstStyle/>
+                    <a:p>
+                      <a:pPr latinLnBrk="1"/>
                       <a:r>
                         <a:rPr lang="en-US" altLang="ko-KR"/>
-                        <a:t>/</a:t>
-                      </a:r>
-                      <a:r>
-                        <a:rPr lang="ko-KR" altLang="en-US"/>
-                        <a:t> 유물 강화</a:t>
-                      </a:r>
+                        <a:t>8</a:t>
+                      </a:r>
+                      <a:endParaRPr lang="ko-KR" altLang="en-US"/>
                     </a:p>
                   </a:txBody>
                   <a:tcPr/>
@@ -4474,10 +4626,136 @@
                   </a:ext>
                 </a:extLst>
               </a:tr>
+              <a:tr h="370840">
+                <a:tc>
+                  <a:txBody>
+                    <a:bodyPr/>
+                    <a:lstStyle/>
+                    <a:p>
+                      <a:pPr latinLnBrk="1"/>
+                      <a:r>
+                        <a:rPr lang="ko-KR" altLang="en-US"/>
+                        <a:t>일반몹</a:t>
+                      </a:r>
+                    </a:p>
+                  </a:txBody>
+                  <a:tcPr/>
+                </a:tc>
+                <a:tc>
+                  <a:txBody>
+                    <a:bodyPr/>
+                    <a:lstStyle/>
+                    <a:p>
+                      <a:pPr latinLnBrk="1"/>
+                      <a:r>
+                        <a:rPr lang="ko-KR" altLang="en-US"/>
+                        <a:t>그냥 몬스터를 떄려잡는 방</a:t>
+                      </a:r>
+                    </a:p>
+                  </a:txBody>
+                  <a:tcPr/>
+                </a:tc>
+                <a:tc>
+                  <a:txBody>
+                    <a:bodyPr/>
+                    <a:lstStyle/>
+                    <a:p>
+                      <a:pPr latinLnBrk="1"/>
+                      <a:r>
+                        <a:rPr lang="ko-KR" altLang="en-US"/>
+                        <a:t>모래시계</a:t>
+                      </a:r>
+                    </a:p>
+                  </a:txBody>
+                  <a:tcPr/>
+                </a:tc>
+                <a:tc>
+                  <a:txBody>
+                    <a:bodyPr/>
+                    <a:lstStyle/>
+                    <a:p>
+                      <a:pPr latinLnBrk="1"/>
+                      <a:r>
+                        <a:rPr lang="en-US" altLang="ko-KR"/>
+                        <a:t>32</a:t>
+                      </a:r>
+                      <a:endParaRPr lang="ko-KR" altLang="en-US"/>
+                    </a:p>
+                  </a:txBody>
+                  <a:tcPr/>
+                </a:tc>
+                <a:extLst>
+                  <a:ext uri="{0D108BD9-81ED-4DB2-BD59-A6C34878D82A}">
+                    <a16:rowId xmlns:a16="http://schemas.microsoft.com/office/drawing/2014/main" val="703987511"/>
+                  </a:ext>
+                </a:extLst>
+              </a:tr>
             </a:tbl>
           </a:graphicData>
         </a:graphic>
       </p:graphicFrame>
+      <p:sp>
+        <p:nvSpPr>
+          <p:cNvPr id="5" name="제목 1">
+            <a:extLst>
+              <a:ext uri="{FF2B5EF4-FFF2-40B4-BE49-F238E27FC236}">
+                <a16:creationId xmlns:a16="http://schemas.microsoft.com/office/drawing/2014/main" id="{2E892A38-CADA-413B-8146-EE3B2445488A}"/>
+              </a:ext>
+            </a:extLst>
+          </p:cNvPr>
+          <p:cNvSpPr txBox="1">
+            <a:spLocks/>
+          </p:cNvSpPr>
+          <p:nvPr/>
+        </p:nvSpPr>
+        <p:spPr>
+          <a:xfrm>
+            <a:off x="10464136" y="5808694"/>
+            <a:ext cx="1594860" cy="741616"/>
+          </a:xfrm>
+          <a:prstGeom prst="rect">
+            <a:avLst/>
+          </a:prstGeom>
+        </p:spPr>
+        <p:txBody>
+          <a:bodyPr vert="horz" lIns="91440" tIns="45720" rIns="91440" bIns="45720" rtlCol="0" anchor="ctr">
+            <a:normAutofit/>
+          </a:bodyPr>
+          <a:lstStyle>
+            <a:lvl1pPr algn="l" defTabSz="914400" rtl="0" eaLnBrk="1" latinLnBrk="1" hangingPunct="1">
+              <a:lnSpc>
+                <a:spcPct val="90000"/>
+              </a:lnSpc>
+              <a:spcBef>
+                <a:spcPct val="0"/>
+              </a:spcBef>
+              <a:buNone/>
+              <a:defRPr sz="4400" kern="1200">
+                <a:solidFill>
+                  <a:schemeClr val="tx1"/>
+                </a:solidFill>
+                <a:latin typeface="+mj-lt"/>
+                <a:ea typeface="+mj-ea"/>
+                <a:cs typeface="+mj-cs"/>
+              </a:defRPr>
+            </a:lvl1pPr>
+          </a:lstStyle>
+          <a:p>
+            <a:r>
+              <a:rPr lang="ko-KR" altLang="en-US" sz="2000"/>
+              <a:t>총 </a:t>
+            </a:r>
+            <a:r>
+              <a:rPr lang="en-US" altLang="ko-KR" sz="2000"/>
+              <a:t>76</a:t>
+            </a:r>
+            <a:r>
+              <a:rPr lang="ko-KR" altLang="en-US" sz="2000"/>
+              <a:t>개 </a:t>
+            </a:r>
+          </a:p>
+        </p:txBody>
+      </p:sp>
     </p:spTree>
     <p:extLst>
       <p:ext uri="{BB962C8B-B14F-4D97-AF65-F5344CB8AC3E}">
@@ -4678,18 +4956,6 @@
               <a:rPr lang="ko-KR" altLang="en-US"/>
               <a:t>얼음 계열 스킬</a:t>
             </a:r>
-            <a:endParaRPr lang="en-US" altLang="ko-KR"/>
-          </a:p>
-          <a:p>
-            <a:r>
-              <a:rPr lang="ko-KR" altLang="en-US"/>
-              <a:t>물의 신이 갇혀 있다</a:t>
-            </a:r>
-            <a:r>
-              <a:rPr lang="en-US" altLang="ko-KR"/>
-              <a:t>.</a:t>
-            </a:r>
-            <a:endParaRPr lang="ko-KR" altLang="en-US"/>
           </a:p>
         </p:txBody>
       </p:sp>
